--- a/Employee_Presentations/Employee_B_2.pptx
+++ b/Employee_Presentations/Employee_B_2.pptx
@@ -3176,7 +3176,7 @@
         </p:nvSpPr>
         <p:spPr>
           <a:xfrm>
-            <a:off x="2011680" y="365760"/>
+            <a:off x="1554480" y="365760"/>
             <a:ext cx="5486400" cy="731520"/>
           </a:xfrm>
           <a:prstGeom prst="rect">
@@ -3190,7 +3190,7 @@
           </a:bodyPr>
           <a:lstStyle/>
           <a:p>
-            <a:pPr algn="ctr"/>
+            <a:pPr algn="l"/>
             <a:r>
               <a:rPr sz="2800">
                 <a:solidFill>
@@ -3211,7 +3211,7 @@
         </p:nvSpPr>
         <p:spPr>
           <a:xfrm>
-            <a:off x="2011680" y="1005840"/>
+            <a:off x="1554480" y="1005840"/>
             <a:ext cx="5486400" cy="457200"/>
           </a:xfrm>
           <a:prstGeom prst="rect">
@@ -3225,7 +3225,7 @@
           </a:bodyPr>
           <a:lstStyle/>
           <a:p>
-            <a:pPr algn="ctr"/>
+            <a:pPr algn="l"/>
             <a:r>
               <a:rPr sz="1400">
                 <a:solidFill>

--- a/Employee_Presentations/Employee_B_2.pptx
+++ b/Employee_Presentations/Employee_B_2.pptx
@@ -7,7 +7,7 @@
   <p:sldIdLst>
     <p:sldId id="256" r:id="rId7"/>
   </p:sldIdLst>
-  <p:sldSz cx="9144000" cy="6858000" type="screen4x3"/>
+  <p:sldSz cx="14630400" cy="8229600" type="screen4x3"/>
   <p:notesSz cx="6858000" cy="9144000"/>
   <p:defaultTextStyle>
     <a:defPPr>
@@ -3096,8 +3096,8 @@
         </p:nvSpPr>
         <p:spPr>
           <a:xfrm>
-            <a:off x="365760" y="365760"/>
-            <a:ext cx="914400" cy="914400"/>
+            <a:off x="548640" y="548640"/>
+            <a:ext cx="1097280" cy="1097280"/>
           </a:xfrm>
           <a:prstGeom prst="ellipse">
             <a:avLst/>
@@ -3139,8 +3139,8 @@
         </p:nvSpPr>
         <p:spPr>
           <a:xfrm>
-            <a:off x="365760" y="640080"/>
-            <a:ext cx="914400" cy="457200"/>
+            <a:off x="548640" y="877824"/>
+            <a:ext cx="1097280" cy="548640"/>
           </a:xfrm>
           <a:prstGeom prst="rect">
             <a:avLst/>
@@ -3155,7 +3155,7 @@
           <a:p>
             <a:pPr algn="ctr"/>
             <a:r>
-              <a:rPr sz="800" b="1">
+              <a:rPr sz="900" b="1">
                 <a:solidFill>
                   <a:srgbClr val="0000FF"/>
                 </a:solidFill>
@@ -3176,8 +3176,8 @@
         </p:nvSpPr>
         <p:spPr>
           <a:xfrm>
-            <a:off x="1554480" y="365760"/>
-            <a:ext cx="5486400" cy="731520"/>
+            <a:off x="2194560" y="548640"/>
+            <a:ext cx="7315200" cy="914400"/>
           </a:xfrm>
           <a:prstGeom prst="rect">
             <a:avLst/>
@@ -3192,7 +3192,7 @@
           <a:p>
             <a:pPr algn="l"/>
             <a:r>
-              <a:rPr sz="2800">
+              <a:rPr sz="3000">
                 <a:solidFill>
                   <a:srgbClr val="404040"/>
                 </a:solidFill>
@@ -3211,8 +3211,8 @@
         </p:nvSpPr>
         <p:spPr>
           <a:xfrm>
-            <a:off x="1554480" y="1005840"/>
-            <a:ext cx="5486400" cy="457200"/>
+            <a:off x="2194560" y="1280160"/>
+            <a:ext cx="7315200" cy="548640"/>
           </a:xfrm>
           <a:prstGeom prst="rect">
             <a:avLst/>
@@ -3246,8 +3246,8 @@
         </p:nvSpPr>
         <p:spPr>
           <a:xfrm>
-            <a:off x="365760" y="1645920"/>
-            <a:ext cx="1828800" cy="365760"/>
+            <a:off x="548640" y="2011680"/>
+            <a:ext cx="2286000" cy="457200"/>
           </a:xfrm>
           <a:prstGeom prst="rect">
             <a:avLst/>
@@ -3261,7 +3261,7 @@
           <a:lstStyle/>
           <a:p>
             <a:r>
-              <a:rPr sz="1800" b="1">
+              <a:rPr sz="2000" b="1">
                 <a:solidFill>
                   <a:srgbClr val="800080"/>
                 </a:solidFill>
@@ -3280,8 +3280,8 @@
         </p:nvSpPr>
         <p:spPr>
           <a:xfrm>
-            <a:off x="365760" y="2011680"/>
-            <a:ext cx="4572000" cy="1005840"/>
+            <a:off x="548640" y="2560320"/>
+            <a:ext cx="5943600" cy="1188720"/>
           </a:xfrm>
           <a:prstGeom prst="rect">
             <a:avLst/>
@@ -3295,7 +3295,7 @@
           <a:lstStyle/>
           <a:p>
             <a:r>
-              <a:rPr sz="900">
+              <a:rPr sz="1200">
                 <a:solidFill>
                   <a:srgbClr val="404040"/>
                 </a:solidFill>
@@ -3314,8 +3314,8 @@
         </p:nvSpPr>
         <p:spPr>
           <a:xfrm>
-            <a:off x="365760" y="2560320"/>
-            <a:ext cx="1828800" cy="365760"/>
+            <a:off x="548640" y="3200400"/>
+            <a:ext cx="2286000" cy="457200"/>
           </a:xfrm>
           <a:prstGeom prst="rect">
             <a:avLst/>
@@ -3329,7 +3329,7 @@
           <a:lstStyle/>
           <a:p>
             <a:r>
-              <a:rPr sz="1800" b="1">
+              <a:rPr sz="2000" b="1">
                 <a:solidFill>
                   <a:srgbClr val="800080"/>
                 </a:solidFill>
@@ -3348,8 +3348,8 @@
         </p:nvSpPr>
         <p:spPr>
           <a:xfrm>
-            <a:off x="365760" y="2926080"/>
-            <a:ext cx="4572000" cy="914400"/>
+            <a:off x="548640" y="3749039"/>
+            <a:ext cx="5943600" cy="1097280"/>
           </a:xfrm>
           <a:prstGeom prst="rect">
             <a:avLst/>
@@ -3363,13 +3363,13 @@
           <a:lstStyle/>
           <a:p>
             <a:r>
-              <a:rPr sz="900">
+              <a:rPr sz="1200">
                 <a:solidFill>
                   <a:srgbClr val="404040"/>
                 </a:solidFill>
                 <a:latin typeface="Arial"/>
               </a:rPr>
-              <a:t>Informação disponível sob pedido.</a:t>
+              <a:t>University Name – Master’s Degree in Course Name – 20XX–20XX University Name – Bachelor's Degree in Course Name – 20XX–20XX</a:t>
             </a:r>
           </a:p>
         </p:txBody>
@@ -3382,8 +3382,8 @@
         </p:nvSpPr>
         <p:spPr>
           <a:xfrm>
-            <a:off x="365760" y="3474720"/>
-            <a:ext cx="1828800" cy="365760"/>
+            <a:off x="548640" y="4754880"/>
+            <a:ext cx="2286000" cy="457200"/>
           </a:xfrm>
           <a:prstGeom prst="rect">
             <a:avLst/>
@@ -3397,7 +3397,7 @@
           <a:lstStyle/>
           <a:p>
             <a:r>
-              <a:rPr sz="1800" b="1">
+              <a:rPr sz="2000" b="1">
                 <a:solidFill>
                   <a:srgbClr val="800080"/>
                 </a:solidFill>
@@ -3417,8 +3417,8 @@
           <p:nvPr/>
         </p:nvGraphicFramePr>
         <p:xfrm>
-          <a:off x="457200" y="3840480"/>
-          <a:ext cx="2011680" cy="1371600"/>
+          <a:off x="731520" y="5303520"/>
+          <a:ext cx="3200400" cy="1645920"/>
         </p:xfrm>
         <a:graphic>
           <a:graphicData uri="http://schemas.openxmlformats.org/drawingml/2006/table">
@@ -3427,16 +3427,16 @@
                 <a:tableStyleId>{5C22544A-7EE6-4342-B048-85BDC9FD1C3A}</a:tableStyleId>
               </a:tblPr>
               <a:tblGrid>
-                <a:gridCol w="2011680"/>
+                <a:gridCol w="3200400"/>
               </a:tblGrid>
-              <a:tr h="274320">
+              <a:tr h="329184">
                 <a:tc>
                   <a:txBody>
                     <a:bodyPr/>
                     <a:lstStyle/>
                     <a:p>
                       <a:pPr>
-                        <a:defRPr sz="1000">
+                        <a:defRPr sz="1200">
                           <a:solidFill>
                             <a:srgbClr val="404040"/>
                           </a:solidFill>
@@ -3453,14 +3453,14 @@
                   </a:tcPr>
                 </a:tc>
               </a:tr>
-              <a:tr h="274320">
+              <a:tr h="329184">
                 <a:tc>
                   <a:txBody>
                     <a:bodyPr/>
                     <a:lstStyle/>
                     <a:p>
                       <a:pPr>
-                        <a:defRPr sz="1000">
+                        <a:defRPr sz="1200">
                           <a:solidFill>
                             <a:srgbClr val="404040"/>
                           </a:solidFill>
@@ -3477,14 +3477,14 @@
                   </a:tcPr>
                 </a:tc>
               </a:tr>
-              <a:tr h="274320">
+              <a:tr h="329184">
                 <a:tc>
                   <a:txBody>
                     <a:bodyPr/>
                     <a:lstStyle/>
                     <a:p>
                       <a:pPr>
-                        <a:defRPr sz="1000">
+                        <a:defRPr sz="1200">
                           <a:solidFill>
                             <a:srgbClr val="404040"/>
                           </a:solidFill>
@@ -3501,14 +3501,14 @@
                   </a:tcPr>
                 </a:tc>
               </a:tr>
-              <a:tr h="274320">
+              <a:tr h="329184">
                 <a:tc>
                   <a:txBody>
                     <a:bodyPr/>
                     <a:lstStyle/>
                     <a:p>
                       <a:pPr>
-                        <a:defRPr sz="1000">
+                        <a:defRPr sz="1200">
                           <a:solidFill>
                             <a:srgbClr val="404040"/>
                           </a:solidFill>
@@ -3525,14 +3525,14 @@
                   </a:tcPr>
                 </a:tc>
               </a:tr>
-              <a:tr h="274320">
+              <a:tr h="329184">
                 <a:tc>
                   <a:txBody>
                     <a:bodyPr/>
                     <a:lstStyle/>
                     <a:p>
                       <a:pPr>
-                        <a:defRPr sz="1000">
+                        <a:defRPr sz="1200">
                           <a:solidFill>
                             <a:srgbClr val="404040"/>
                           </a:solidFill>
@@ -3561,8 +3561,8 @@
         </p:nvSpPr>
         <p:spPr>
           <a:xfrm>
-            <a:off x="5486400" y="1645920"/>
-            <a:ext cx="1828800" cy="365760"/>
+            <a:off x="8686800" y="2011680"/>
+            <a:ext cx="2286000" cy="457200"/>
           </a:xfrm>
           <a:prstGeom prst="rect">
             <a:avLst/>
@@ -3576,7 +3576,7 @@
           <a:lstStyle/>
           <a:p>
             <a:r>
-              <a:rPr sz="1800" b="1">
+              <a:rPr sz="2000" b="1">
                 <a:solidFill>
                   <a:srgbClr val="800080"/>
                 </a:solidFill>
@@ -3595,8 +3595,8 @@
         </p:nvSpPr>
         <p:spPr>
           <a:xfrm>
-            <a:off x="5486400" y="2103120"/>
-            <a:ext cx="3200400" cy="3291840"/>
+            <a:off x="8686800" y="2560320"/>
+            <a:ext cx="4114800" cy="4114800"/>
           </a:xfrm>
           <a:prstGeom prst="rect">
             <a:avLst/>
@@ -3610,13 +3610,79 @@
           <a:lstStyle/>
           <a:p>
             <a:r>
-              <a:rPr sz="900">
+              <a:rPr sz="1200">
                 <a:solidFill>
                   <a:srgbClr val="404040"/>
                 </a:solidFill>
                 <a:latin typeface="Arial"/>
               </a:rPr>
-              <a:t>Informação disponível sob pedido.</a:t>
+              <a:t>Jun 2024 – Sep 2024</a:t>
+            </a:r>
+          </a:p>
+          <a:p>
+            <a:r>
+              <a:rPr sz="1200">
+                <a:solidFill>
+                  <a:srgbClr val="404040"/>
+                </a:solidFill>
+                <a:latin typeface="Arial"/>
+              </a:rPr>
+              <a:t>Business Analyst</a:t>
+            </a:r>
+          </a:p>
+          <a:p>
+            <a:r>
+              <a:rPr sz="1200">
+                <a:solidFill>
+                  <a:srgbClr val="404040"/>
+                </a:solidFill>
+                <a:latin typeface="Arial"/>
+              </a:rPr>
+              <a:t>Joined a business analysis team on a project focused on creating an innovative platform to support the mapping, interpretation, and strategic valuation of territorial data.</a:t>
+            </a:r>
+          </a:p>
+          <a:p>
+            <a:r>
+              <a:rPr sz="1200">
+                <a:solidFill>
+                  <a:srgbClr val="404040"/>
+                </a:solidFill>
+                <a:latin typeface="Arial"/>
+              </a:rPr>
+              <a:t/>
+            </a:r>
+          </a:p>
+          <a:p>
+            <a:r>
+              <a:rPr sz="1200">
+                <a:solidFill>
+                  <a:srgbClr val="404040"/>
+                </a:solidFill>
+                <a:latin typeface="Arial"/>
+              </a:rPr>
+              <a:t>May 2023 – Dec 2023</a:t>
+            </a:r>
+          </a:p>
+          <a:p>
+            <a:r>
+              <a:rPr sz="1200">
+                <a:solidFill>
+                  <a:srgbClr val="404040"/>
+                </a:solidFill>
+                <a:latin typeface="Arial"/>
+              </a:rPr>
+              <a:t>Product Owner</a:t>
+            </a:r>
+          </a:p>
+          <a:p>
+            <a:r>
+              <a:rPr sz="1200">
+                <a:solidFill>
+                  <a:srgbClr val="404040"/>
+                </a:solidFill>
+                <a:latin typeface="Arial"/>
+              </a:rPr>
+              <a:t>Worked alongside a product team, interacting with stakeholders to define priorities and write detailed user stories for the development process.</a:t>
             </a:r>
           </a:p>
         </p:txBody>
@@ -3629,8 +3695,8 @@
         </p:nvSpPr>
         <p:spPr>
           <a:xfrm>
-            <a:off x="365760" y="6309360"/>
-            <a:ext cx="4572000" cy="274320"/>
+            <a:off x="548640" y="7772400"/>
+            <a:ext cx="6400800" cy="457200"/>
           </a:xfrm>
           <a:prstGeom prst="rect">
             <a:avLst/>
@@ -3663,8 +3729,8 @@
         </p:nvSpPr>
         <p:spPr>
           <a:xfrm>
-            <a:off x="5852160" y="6309360"/>
-            <a:ext cx="2743200" cy="274320"/>
+            <a:off x="9144000" y="7772400"/>
+            <a:ext cx="5486400" cy="457200"/>
           </a:xfrm>
           <a:prstGeom prst="rect">
             <a:avLst/>
@@ -3679,13 +3745,13 @@
           <a:p>
             <a:pPr algn="r"/>
             <a:r>
-              <a:rPr sz="1200" b="1">
+              <a:rPr sz="2000" b="1">
                 <a:latin typeface="Arial"/>
               </a:rPr>
               <a:t>Accenture</a:t>
             </a:r>
             <a:r>
-              <a:rPr sz="1200" b="1">
+              <a:rPr sz="2000" b="1">
                 <a:solidFill>
                   <a:srgbClr val="800080"/>
                 </a:solidFill>
